--- a/Projeto-Documentacao/LLD.pptx
+++ b/Projeto-Documentacao/LLD.pptx
@@ -105,6 +105,11 @@
       </a:defRPr>
     </a:lvl9pPr>
   </p:defaultTextStyle>
+  <p:extLst>
+    <p:ext uri="{EFAFB233-063F-42B5-8137-9DF3F51BA10A}">
+      <p15:sldGuideLst xmlns:p15="http://schemas.microsoft.com/office/powerpoint/2012/main"/>
+    </p:ext>
+  </p:extLst>
 </p:presentation>
 </file>
 
@@ -255,7 +260,7 @@
           <a:p>
             <a:fld id="{A652B9DA-2090-4A61-B038-3838489857AE}" type="datetimeFigureOut">
               <a:rPr lang="pt-BR" smtClean="0"/>
-              <a:t>16/04/2019</a:t>
+              <a:t>17/04/2019</a:t>
             </a:fld>
             <a:endParaRPr lang="pt-BR"/>
           </a:p>
@@ -453,7 +458,7 @@
           <a:p>
             <a:fld id="{A652B9DA-2090-4A61-B038-3838489857AE}" type="datetimeFigureOut">
               <a:rPr lang="pt-BR" smtClean="0"/>
-              <a:t>16/04/2019</a:t>
+              <a:t>17/04/2019</a:t>
             </a:fld>
             <a:endParaRPr lang="pt-BR"/>
           </a:p>
@@ -661,7 +666,7 @@
           <a:p>
             <a:fld id="{A652B9DA-2090-4A61-B038-3838489857AE}" type="datetimeFigureOut">
               <a:rPr lang="pt-BR" smtClean="0"/>
-              <a:t>16/04/2019</a:t>
+              <a:t>17/04/2019</a:t>
             </a:fld>
             <a:endParaRPr lang="pt-BR"/>
           </a:p>
@@ -859,7 +864,7 @@
           <a:p>
             <a:fld id="{A652B9DA-2090-4A61-B038-3838489857AE}" type="datetimeFigureOut">
               <a:rPr lang="pt-BR" smtClean="0"/>
-              <a:t>16/04/2019</a:t>
+              <a:t>17/04/2019</a:t>
             </a:fld>
             <a:endParaRPr lang="pt-BR"/>
           </a:p>
@@ -1134,7 +1139,7 @@
           <a:p>
             <a:fld id="{A652B9DA-2090-4A61-B038-3838489857AE}" type="datetimeFigureOut">
               <a:rPr lang="pt-BR" smtClean="0"/>
-              <a:t>16/04/2019</a:t>
+              <a:t>17/04/2019</a:t>
             </a:fld>
             <a:endParaRPr lang="pt-BR"/>
           </a:p>
@@ -1399,7 +1404,7 @@
           <a:p>
             <a:fld id="{A652B9DA-2090-4A61-B038-3838489857AE}" type="datetimeFigureOut">
               <a:rPr lang="pt-BR" smtClean="0"/>
-              <a:t>16/04/2019</a:t>
+              <a:t>17/04/2019</a:t>
             </a:fld>
             <a:endParaRPr lang="pt-BR"/>
           </a:p>
@@ -1811,7 +1816,7 @@
           <a:p>
             <a:fld id="{A652B9DA-2090-4A61-B038-3838489857AE}" type="datetimeFigureOut">
               <a:rPr lang="pt-BR" smtClean="0"/>
-              <a:t>16/04/2019</a:t>
+              <a:t>17/04/2019</a:t>
             </a:fld>
             <a:endParaRPr lang="pt-BR"/>
           </a:p>
@@ -1952,7 +1957,7 @@
           <a:p>
             <a:fld id="{A652B9DA-2090-4A61-B038-3838489857AE}" type="datetimeFigureOut">
               <a:rPr lang="pt-BR" smtClean="0"/>
-              <a:t>16/04/2019</a:t>
+              <a:t>17/04/2019</a:t>
             </a:fld>
             <a:endParaRPr lang="pt-BR"/>
           </a:p>
@@ -2065,7 +2070,7 @@
           <a:p>
             <a:fld id="{A652B9DA-2090-4A61-B038-3838489857AE}" type="datetimeFigureOut">
               <a:rPr lang="pt-BR" smtClean="0"/>
-              <a:t>16/04/2019</a:t>
+              <a:t>17/04/2019</a:t>
             </a:fld>
             <a:endParaRPr lang="pt-BR"/>
           </a:p>
@@ -2376,7 +2381,7 @@
           <a:p>
             <a:fld id="{A652B9DA-2090-4A61-B038-3838489857AE}" type="datetimeFigureOut">
               <a:rPr lang="pt-BR" smtClean="0"/>
-              <a:t>16/04/2019</a:t>
+              <a:t>17/04/2019</a:t>
             </a:fld>
             <a:endParaRPr lang="pt-BR"/>
           </a:p>
@@ -2664,7 +2669,7 @@
           <a:p>
             <a:fld id="{A652B9DA-2090-4A61-B038-3838489857AE}" type="datetimeFigureOut">
               <a:rPr lang="pt-BR" smtClean="0"/>
-              <a:t>16/04/2019</a:t>
+              <a:t>17/04/2019</a:t>
             </a:fld>
             <a:endParaRPr lang="pt-BR"/>
           </a:p>
@@ -2905,7 +2910,7 @@
           <a:p>
             <a:fld id="{A652B9DA-2090-4A61-B038-3838489857AE}" type="datetimeFigureOut">
               <a:rPr lang="pt-BR" smtClean="0"/>
-              <a:t>16/04/2019</a:t>
+              <a:t>17/04/2019</a:t>
             </a:fld>
             <a:endParaRPr lang="pt-BR"/>
           </a:p>
@@ -3522,7 +3527,7 @@
           <p:nvPr/>
         </p:nvPicPr>
         <p:blipFill>
-          <a:blip r:embed="rId4">
+          <a:blip r:embed="rId4" cstate="hqprint">
             <a:extLst>
               <a:ext uri="{28A0092B-C50C-407E-A947-70E740481C1C}">
                 <a14:useLocalDpi xmlns:a14="http://schemas.microsoft.com/office/drawing/2010/main" val="0"/>
@@ -3593,7 +3598,7 @@
           <p:nvPr/>
         </p:nvPicPr>
         <p:blipFill>
-          <a:blip r:embed="rId5">
+          <a:blip r:embed="rId5" cstate="hqprint">
             <a:extLst>
               <a:ext uri="{28A0092B-C50C-407E-A947-70E740481C1C}">
                 <a14:useLocalDpi xmlns:a14="http://schemas.microsoft.com/office/drawing/2010/main" val="0"/>
@@ -3739,7 +3744,7 @@
           <p:nvPr/>
         </p:nvPicPr>
         <p:blipFill rotWithShape="1">
-          <a:blip r:embed="rId7">
+          <a:blip r:embed="rId7" cstate="hqprint">
             <a:extLst>
               <a:ext uri="{BEBA8EAE-BF5A-486C-A8C5-ECC9F3942E4B}">
                 <a14:imgProps xmlns:a14="http://schemas.microsoft.com/office/drawing/2010/main">
@@ -3797,7 +3802,7 @@
           <p:nvPr/>
         </p:nvPicPr>
         <p:blipFill>
-          <a:blip r:embed="rId9">
+          <a:blip r:embed="rId9" cstate="hqprint">
             <a:extLst>
               <a:ext uri="{28A0092B-C50C-407E-A947-70E740481C1C}">
                 <a14:useLocalDpi xmlns:a14="http://schemas.microsoft.com/office/drawing/2010/main" val="0"/>
@@ -3833,7 +3838,7 @@
           <p:nvPr/>
         </p:nvPicPr>
         <p:blipFill>
-          <a:blip r:embed="rId10">
+          <a:blip r:embed="rId10" cstate="hqprint">
             <a:extLst>
               <a:ext uri="{28A0092B-C50C-407E-A947-70E740481C1C}">
                 <a14:useLocalDpi xmlns:a14="http://schemas.microsoft.com/office/drawing/2010/main" val="0"/>
@@ -3882,7 +3887,7 @@
         </p:blipFill>
         <p:spPr>
           <a:xfrm>
-            <a:off x="4061035" y="-79119"/>
+            <a:off x="6702635" y="-290707"/>
             <a:ext cx="2132757" cy="2132757"/>
           </a:xfrm>
           <a:prstGeom prst="rect">
@@ -3905,7 +3910,7 @@
           <p:nvPr/>
         </p:nvPicPr>
         <p:blipFill>
-          <a:blip r:embed="rId12">
+          <a:blip r:embed="rId12" cstate="hqprint">
             <a:extLst>
               <a:ext uri="{28A0092B-C50C-407E-A947-70E740481C1C}">
                 <a14:useLocalDpi xmlns:a14="http://schemas.microsoft.com/office/drawing/2010/main" val="0"/>
@@ -3918,44 +3923,8 @@
         </p:blipFill>
         <p:spPr>
           <a:xfrm>
-            <a:off x="4529472" y="458204"/>
+            <a:off x="7261959" y="261135"/>
             <a:ext cx="1014108" cy="724363"/>
-          </a:xfrm>
-          <a:prstGeom prst="rect">
-            <a:avLst/>
-          </a:prstGeom>
-        </p:spPr>
-      </p:pic>
-      <p:pic>
-        <p:nvPicPr>
-          <p:cNvPr id="44" name="Imagem 43">
-            <a:extLst>
-              <a:ext uri="{FF2B5EF4-FFF2-40B4-BE49-F238E27FC236}">
-                <a16:creationId xmlns:a16="http://schemas.microsoft.com/office/drawing/2014/main" id="{48F2664D-C060-4FFB-9456-D8FB9596FB7A}"/>
-              </a:ext>
-            </a:extLst>
-          </p:cNvPr>
-          <p:cNvPicPr>
-            <a:picLocks noChangeAspect="1"/>
-          </p:cNvPicPr>
-          <p:nvPr/>
-        </p:nvPicPr>
-        <p:blipFill>
-          <a:blip r:embed="rId13">
-            <a:extLst>
-              <a:ext uri="{28A0092B-C50C-407E-A947-70E740481C1C}">
-                <a14:useLocalDpi xmlns:a14="http://schemas.microsoft.com/office/drawing/2010/main" val="0"/>
-              </a:ext>
-            </a:extLst>
-          </a:blip>
-          <a:stretch>
-            <a:fillRect/>
-          </a:stretch>
-        </p:blipFill>
-        <p:spPr>
-          <a:xfrm>
-            <a:off x="5298227" y="1052777"/>
-            <a:ext cx="332169" cy="439485"/>
           </a:xfrm>
           <a:prstGeom prst="rect">
             <a:avLst/>
@@ -4059,14 +4028,14 @@
             </a:extLst>
           </p:cNvPr>
           <p:cNvCxnSpPr>
-            <a:stCxn id="36" idx="0"/>
+            <a:endCxn id="40" idx="2"/>
           </p:cNvCxnSpPr>
           <p:nvPr/>
         </p:nvCxnSpPr>
         <p:spPr>
-          <a:xfrm rot="16200000" flipV="1">
-            <a:off x="5469163" y="2176841"/>
-            <a:ext cx="1770560" cy="1100982"/>
+          <a:xfrm rot="5400000" flipH="1" flipV="1">
+            <a:off x="6545000" y="2411513"/>
+            <a:ext cx="1793477" cy="654552"/>
           </a:xfrm>
           <a:prstGeom prst="bentConnector3">
             <a:avLst/>
@@ -4105,7 +4074,7 @@
           <p:nvPr/>
         </p:nvPicPr>
         <p:blipFill>
-          <a:blip r:embed="rId10">
+          <a:blip r:embed="rId10" cstate="hqprint">
             <a:extLst>
               <a:ext uri="{28A0092B-C50C-407E-A947-70E740481C1C}">
                 <a14:useLocalDpi xmlns:a14="http://schemas.microsoft.com/office/drawing/2010/main" val="0"/>
@@ -4118,7 +4087,7 @@
         </p:blipFill>
         <p:spPr>
           <a:xfrm>
-            <a:off x="1039768" y="693514"/>
+            <a:off x="624767" y="1260737"/>
             <a:ext cx="797288" cy="797288"/>
           </a:xfrm>
           <a:prstGeom prst="rect">
@@ -4128,62 +4097,19 @@
       </p:pic>
       <p:cxnSp>
         <p:nvCxnSpPr>
-          <p:cNvPr id="53" name="Conector de Seta Reta 52">
-            <a:extLst>
-              <a:ext uri="{FF2B5EF4-FFF2-40B4-BE49-F238E27FC236}">
-                <a16:creationId xmlns:a16="http://schemas.microsoft.com/office/drawing/2014/main" id="{F116ED81-DA4F-433E-AFDA-C53EFC8096CE}"/>
-              </a:ext>
-            </a:extLst>
-          </p:cNvPr>
-          <p:cNvCxnSpPr>
-            <a:stCxn id="40" idx="1"/>
-          </p:cNvCxnSpPr>
+          <p:cNvPr id="55" name="Conector de Seta Reta 54">
+            <a:extLst>
+              <a:ext uri="{FF2B5EF4-FFF2-40B4-BE49-F238E27FC236}">
+                <a16:creationId xmlns:a16="http://schemas.microsoft.com/office/drawing/2014/main" id="{8F59ADE6-FD0B-4971-AFB2-EFDB7DF4BED9}"/>
+              </a:ext>
+            </a:extLst>
+          </p:cNvPr>
+          <p:cNvCxnSpPr/>
           <p:nvPr/>
         </p:nvCxnSpPr>
         <p:spPr>
-          <a:xfrm flipH="1" flipV="1">
-            <a:off x="2133600" y="987259"/>
-            <a:ext cx="1927435" cy="1"/>
-          </a:xfrm>
-          <a:prstGeom prst="straightConnector1">
-            <a:avLst/>
-          </a:prstGeom>
-          <a:ln>
-            <a:tailEnd type="triangle"/>
-          </a:ln>
-        </p:spPr>
-        <p:style>
-          <a:lnRef idx="1">
-            <a:schemeClr val="accent1"/>
-          </a:lnRef>
-          <a:fillRef idx="0">
-            <a:schemeClr val="accent1"/>
-          </a:fillRef>
-          <a:effectRef idx="0">
-            <a:schemeClr val="accent1"/>
-          </a:effectRef>
-          <a:fontRef idx="minor">
-            <a:schemeClr val="tx1"/>
-          </a:fontRef>
-        </p:style>
-      </p:cxnSp>
-      <p:cxnSp>
-        <p:nvCxnSpPr>
-          <p:cNvPr id="55" name="Conector de Seta Reta 54">
-            <a:extLst>
-              <a:ext uri="{FF2B5EF4-FFF2-40B4-BE49-F238E27FC236}">
-                <a16:creationId xmlns:a16="http://schemas.microsoft.com/office/drawing/2014/main" id="{8F59ADE6-FD0B-4971-AFB2-EFDB7DF4BED9}"/>
-              </a:ext>
-            </a:extLst>
-          </p:cNvPr>
-          <p:cNvCxnSpPr>
-            <a:stCxn id="51" idx="2"/>
-          </p:cNvCxnSpPr>
-          <p:nvPr/>
-        </p:nvCxnSpPr>
-        <p:spPr>
-          <a:xfrm>
-            <a:off x="1438412" y="1490802"/>
+          <a:xfrm>
+            <a:off x="956277" y="2120524"/>
             <a:ext cx="0" cy="1236529"/>
           </a:xfrm>
           <a:prstGeom prst="straightConnector1">
@@ -4236,7 +4162,7 @@
         </p:blipFill>
         <p:spPr>
           <a:xfrm>
-            <a:off x="621832" y="2955235"/>
+            <a:off x="246449" y="3303300"/>
             <a:ext cx="1633927" cy="1633927"/>
           </a:xfrm>
           <a:prstGeom prst="rect">
@@ -4259,7 +4185,7 @@
           <p:nvPr/>
         </p:nvPicPr>
         <p:blipFill>
-          <a:blip r:embed="rId9">
+          <a:blip r:embed="rId9" cstate="hqprint">
             <a:extLst>
               <a:ext uri="{28A0092B-C50C-407E-A947-70E740481C1C}">
                 <a14:useLocalDpi xmlns:a14="http://schemas.microsoft.com/office/drawing/2010/main" val="0"/>
@@ -4272,7 +4198,7 @@
         </p:blipFill>
         <p:spPr>
           <a:xfrm rot="20038335">
-            <a:off x="355850" y="2798555"/>
+            <a:off x="66164" y="3061563"/>
             <a:ext cx="422206" cy="422206"/>
           </a:xfrm>
           <a:prstGeom prst="rect">
@@ -4295,7 +4221,7 @@
           <p:nvPr/>
         </p:nvPicPr>
         <p:blipFill rotWithShape="1">
-          <a:blip r:embed="rId14">
+          <a:blip r:embed="rId13" cstate="hqprint">
             <a:extLst>
               <a:ext uri="{28A0092B-C50C-407E-A947-70E740481C1C}">
                 <a14:useLocalDpi xmlns:a14="http://schemas.microsoft.com/office/drawing/2010/main" val="0"/>
@@ -4307,7 +4233,7 @@
         </p:blipFill>
         <p:spPr>
           <a:xfrm>
-            <a:off x="910425" y="3357296"/>
+            <a:off x="535425" y="3658002"/>
             <a:ext cx="527987" cy="564654"/>
           </a:xfrm>
           <a:prstGeom prst="rect">
@@ -4315,6 +4241,591 @@
           </a:prstGeom>
         </p:spPr>
       </p:pic>
+      <p:cxnSp>
+        <p:nvCxnSpPr>
+          <p:cNvPr id="16" name="Conector Angulado 15"/>
+          <p:cNvCxnSpPr>
+            <a:stCxn id="51" idx="0"/>
+            <a:endCxn id="40" idx="1"/>
+          </p:cNvCxnSpPr>
+          <p:nvPr/>
+        </p:nvCxnSpPr>
+        <p:spPr>
+          <a:xfrm rot="5400000" flipH="1" flipV="1">
+            <a:off x="3620491" y="-1821407"/>
+            <a:ext cx="485065" cy="5679224"/>
+          </a:xfrm>
+          <a:prstGeom prst="bentConnector2">
+            <a:avLst/>
+          </a:prstGeom>
+          <a:ln>
+            <a:headEnd type="triangle"/>
+            <a:tailEnd type="triangle"/>
+          </a:ln>
+        </p:spPr>
+        <p:style>
+          <a:lnRef idx="1">
+            <a:schemeClr val="accent1"/>
+          </a:lnRef>
+          <a:fillRef idx="0">
+            <a:schemeClr val="accent1"/>
+          </a:fillRef>
+          <a:effectRef idx="0">
+            <a:schemeClr val="accent1"/>
+          </a:effectRef>
+          <a:fontRef idx="minor">
+            <a:schemeClr val="tx1"/>
+          </a:fontRef>
+        </p:style>
+      </p:cxnSp>
+      <p:cxnSp>
+        <p:nvCxnSpPr>
+          <p:cNvPr id="21" name="Conector Angulado 20"/>
+          <p:cNvCxnSpPr>
+            <a:stCxn id="51" idx="3"/>
+            <a:endCxn id="24" idx="0"/>
+          </p:cNvCxnSpPr>
+          <p:nvPr/>
+        </p:nvCxnSpPr>
+        <p:spPr>
+          <a:xfrm>
+            <a:off x="1422055" y="1659381"/>
+            <a:ext cx="1604846" cy="1848649"/>
+          </a:xfrm>
+          <a:prstGeom prst="bentConnector2">
+            <a:avLst/>
+          </a:prstGeom>
+          <a:ln>
+            <a:tailEnd type="triangle"/>
+          </a:ln>
+        </p:spPr>
+        <p:style>
+          <a:lnRef idx="1">
+            <a:schemeClr val="accent1"/>
+          </a:lnRef>
+          <a:fillRef idx="0">
+            <a:schemeClr val="accent1"/>
+          </a:fillRef>
+          <a:effectRef idx="0">
+            <a:schemeClr val="accent1"/>
+          </a:effectRef>
+          <a:fontRef idx="minor">
+            <a:schemeClr val="tx1"/>
+          </a:fontRef>
+        </p:style>
+      </p:cxnSp>
+      <p:pic>
+        <p:nvPicPr>
+          <p:cNvPr id="24" name="Imagem 23"/>
+          <p:cNvPicPr>
+            <a:picLocks noChangeAspect="1"/>
+          </p:cNvPicPr>
+          <p:nvPr/>
+        </p:nvPicPr>
+        <p:blipFill>
+          <a:blip r:embed="rId14" cstate="hqprint">
+            <a:extLst>
+              <a:ext uri="{28A0092B-C50C-407E-A947-70E740481C1C}">
+                <a14:useLocalDpi xmlns:a14="http://schemas.microsoft.com/office/drawing/2010/main" val="0"/>
+              </a:ext>
+            </a:extLst>
+          </a:blip>
+          <a:stretch>
+            <a:fillRect/>
+          </a:stretch>
+        </p:blipFill>
+        <p:spPr>
+          <a:xfrm flipH="1">
+            <a:off x="2391234" y="3508030"/>
+            <a:ext cx="1271335" cy="1271335"/>
+          </a:xfrm>
+          <a:prstGeom prst="rect">
+            <a:avLst/>
+          </a:prstGeom>
+        </p:spPr>
+      </p:pic>
+      <p:pic>
+        <p:nvPicPr>
+          <p:cNvPr id="41" name="Imagem 40">
+            <a:extLst>
+              <a:ext uri="{FF2B5EF4-FFF2-40B4-BE49-F238E27FC236}">
+                <a16:creationId xmlns:a16="http://schemas.microsoft.com/office/drawing/2014/main" id="{5621F907-7D2C-45D2-9928-E078BF8FA0E3}"/>
+              </a:ext>
+            </a:extLst>
+          </p:cNvPr>
+          <p:cNvPicPr>
+            <a:picLocks noChangeAspect="1"/>
+          </p:cNvPicPr>
+          <p:nvPr/>
+        </p:nvPicPr>
+        <p:blipFill>
+          <a:blip r:embed="rId9" cstate="hqprint">
+            <a:extLst>
+              <a:ext uri="{28A0092B-C50C-407E-A947-70E740481C1C}">
+                <a14:useLocalDpi xmlns:a14="http://schemas.microsoft.com/office/drawing/2010/main" val="0"/>
+              </a:ext>
+            </a:extLst>
+          </a:blip>
+          <a:stretch>
+            <a:fillRect/>
+          </a:stretch>
+        </p:blipFill>
+        <p:spPr>
+          <a:xfrm rot="20038335">
+            <a:off x="2419678" y="3164572"/>
+            <a:ext cx="422206" cy="422206"/>
+          </a:xfrm>
+          <a:prstGeom prst="rect">
+            <a:avLst/>
+          </a:prstGeom>
+        </p:spPr>
+      </p:pic>
+      <p:pic>
+        <p:nvPicPr>
+          <p:cNvPr id="26" name="Imagem 25"/>
+          <p:cNvPicPr>
+            <a:picLocks noChangeAspect="1"/>
+          </p:cNvPicPr>
+          <p:nvPr/>
+        </p:nvPicPr>
+        <p:blipFill>
+          <a:blip r:embed="rId15" cstate="hqprint">
+            <a:extLst>
+              <a:ext uri="{28A0092B-C50C-407E-A947-70E740481C1C}">
+                <a14:useLocalDpi xmlns:a14="http://schemas.microsoft.com/office/drawing/2010/main" val="0"/>
+              </a:ext>
+            </a:extLst>
+          </a:blip>
+          <a:stretch>
+            <a:fillRect/>
+          </a:stretch>
+        </p:blipFill>
+        <p:spPr>
+          <a:xfrm flipH="1">
+            <a:off x="2740623" y="3792060"/>
+            <a:ext cx="573616" cy="564653"/>
+          </a:xfrm>
+          <a:prstGeom prst="rect">
+            <a:avLst/>
+          </a:prstGeom>
+        </p:spPr>
+      </p:pic>
+      <p:cxnSp>
+        <p:nvCxnSpPr>
+          <p:cNvPr id="30" name="Conector de Seta Reta 29"/>
+          <p:cNvCxnSpPr>
+            <a:stCxn id="56" idx="2"/>
+          </p:cNvCxnSpPr>
+          <p:nvPr/>
+        </p:nvCxnSpPr>
+        <p:spPr>
+          <a:xfrm flipH="1">
+            <a:off x="1063412" y="4937227"/>
+            <a:ext cx="1" cy="756412"/>
+          </a:xfrm>
+          <a:prstGeom prst="straightConnector1">
+            <a:avLst/>
+          </a:prstGeom>
+          <a:ln>
+            <a:tailEnd type="triangle"/>
+          </a:ln>
+        </p:spPr>
+        <p:style>
+          <a:lnRef idx="1">
+            <a:schemeClr val="accent1"/>
+          </a:lnRef>
+          <a:fillRef idx="0">
+            <a:schemeClr val="accent1"/>
+          </a:fillRef>
+          <a:effectRef idx="0">
+            <a:schemeClr val="accent1"/>
+          </a:effectRef>
+          <a:fontRef idx="minor">
+            <a:schemeClr val="tx1"/>
+          </a:fontRef>
+        </p:style>
+      </p:cxnSp>
+      <p:pic>
+        <p:nvPicPr>
+          <p:cNvPr id="31" name="Imagem 30"/>
+          <p:cNvPicPr>
+            <a:picLocks noChangeAspect="1"/>
+          </p:cNvPicPr>
+          <p:nvPr/>
+        </p:nvPicPr>
+        <p:blipFill>
+          <a:blip r:embed="rId16" cstate="hqprint">
+            <a:extLst>
+              <a:ext uri="{28A0092B-C50C-407E-A947-70E740481C1C}">
+                <a14:useLocalDpi xmlns:a14="http://schemas.microsoft.com/office/drawing/2010/main" val="0"/>
+              </a:ext>
+            </a:extLst>
+          </a:blip>
+          <a:stretch>
+            <a:fillRect/>
+          </a:stretch>
+        </p:blipFill>
+        <p:spPr>
+          <a:xfrm>
+            <a:off x="481231" y="5693639"/>
+            <a:ext cx="1164361" cy="1164361"/>
+          </a:xfrm>
+          <a:prstGeom prst="rect">
+            <a:avLst/>
+          </a:prstGeom>
+        </p:spPr>
+      </p:pic>
+      <p:sp>
+        <p:nvSpPr>
+          <p:cNvPr id="33" name="CaixaDeTexto 32"/>
+          <p:cNvSpPr txBox="1"/>
+          <p:nvPr/>
+        </p:nvSpPr>
+        <p:spPr>
+          <a:xfrm>
+            <a:off x="146627" y="1335950"/>
+            <a:ext cx="956277" cy="430887"/>
+          </a:xfrm>
+          <a:prstGeom prst="rect">
+            <a:avLst/>
+          </a:prstGeom>
+          <a:noFill/>
+        </p:spPr>
+        <p:txBody>
+          <a:bodyPr wrap="square" rtlCol="0">
+            <a:spAutoFit/>
+          </a:bodyPr>
+          <a:lstStyle/>
+          <a:p>
+            <a:r>
+              <a:rPr lang="pt-BR" sz="1050" dirty="0" smtClean="0"/>
+              <a:t>Endereço IP: 192.168.1.2</a:t>
+            </a:r>
+            <a:endParaRPr lang="pt-BR" sz="1050" dirty="0"/>
+          </a:p>
+        </p:txBody>
+      </p:sp>
+      <p:sp>
+        <p:nvSpPr>
+          <p:cNvPr id="34" name="Retângulo 33"/>
+          <p:cNvSpPr/>
+          <p:nvPr/>
+        </p:nvSpPr>
+        <p:spPr>
+          <a:xfrm>
+            <a:off x="5238039" y="3825124"/>
+            <a:ext cx="1617751" cy="261610"/>
+          </a:xfrm>
+          <a:prstGeom prst="rect">
+            <a:avLst/>
+          </a:prstGeom>
+        </p:spPr>
+        <p:txBody>
+          <a:bodyPr wrap="none">
+            <a:spAutoFit/>
+          </a:bodyPr>
+          <a:lstStyle/>
+          <a:p>
+            <a:r>
+              <a:rPr lang="pt-BR" sz="1100" dirty="0"/>
+              <a:t>Endereço IP: 192.168.1.2</a:t>
+            </a:r>
+            <a:endParaRPr lang="pt-BR" sz="1100" dirty="0"/>
+          </a:p>
+        </p:txBody>
+      </p:sp>
+      <p:sp>
+        <p:nvSpPr>
+          <p:cNvPr id="35" name="CaixaDeTexto 34"/>
+          <p:cNvSpPr txBox="1"/>
+          <p:nvPr/>
+        </p:nvSpPr>
+        <p:spPr>
+          <a:xfrm>
+            <a:off x="9184711" y="3570117"/>
+            <a:ext cx="1263108" cy="646331"/>
+          </a:xfrm>
+          <a:prstGeom prst="rect">
+            <a:avLst/>
+          </a:prstGeom>
+          <a:noFill/>
+        </p:spPr>
+        <p:txBody>
+          <a:bodyPr wrap="square" rtlCol="0">
+            <a:spAutoFit/>
+          </a:bodyPr>
+          <a:lstStyle/>
+          <a:p>
+            <a:r>
+              <a:rPr lang="pt-BR" sz="1200" dirty="0" smtClean="0"/>
+              <a:t>Geladeira com medicamentos termolábeis</a:t>
+            </a:r>
+            <a:endParaRPr lang="pt-BR" sz="1200" dirty="0"/>
+          </a:p>
+        </p:txBody>
+      </p:sp>
+      <p:pic>
+        <p:nvPicPr>
+          <p:cNvPr id="39" name="Imagem 38"/>
+          <p:cNvPicPr>
+            <a:picLocks noChangeAspect="1"/>
+          </p:cNvPicPr>
+          <p:nvPr/>
+        </p:nvPicPr>
+        <p:blipFill>
+          <a:blip r:embed="rId17">
+            <a:extLst>
+              <a:ext uri="{28A0092B-C50C-407E-A947-70E740481C1C}">
+                <a14:useLocalDpi xmlns:a14="http://schemas.microsoft.com/office/drawing/2010/main" val="0"/>
+              </a:ext>
+            </a:extLst>
+          </a:blip>
+          <a:stretch>
+            <a:fillRect/>
+          </a:stretch>
+        </p:blipFill>
+        <p:spPr>
+          <a:xfrm>
+            <a:off x="7191834" y="789019"/>
+            <a:ext cx="970216" cy="524871"/>
+          </a:xfrm>
+          <a:prstGeom prst="rect">
+            <a:avLst/>
+          </a:prstGeom>
+        </p:spPr>
+      </p:pic>
+      <p:pic>
+        <p:nvPicPr>
+          <p:cNvPr id="43" name="Imagem 42"/>
+          <p:cNvPicPr>
+            <a:picLocks noChangeAspect="1"/>
+          </p:cNvPicPr>
+          <p:nvPr/>
+        </p:nvPicPr>
+        <p:blipFill>
+          <a:blip r:embed="rId18" cstate="hqprint">
+            <a:extLst>
+              <a:ext uri="{28A0092B-C50C-407E-A947-70E740481C1C}">
+                <a14:useLocalDpi xmlns:a14="http://schemas.microsoft.com/office/drawing/2010/main" val="0"/>
+              </a:ext>
+            </a:extLst>
+          </a:blip>
+          <a:stretch>
+            <a:fillRect/>
+          </a:stretch>
+        </p:blipFill>
+        <p:spPr>
+          <a:xfrm>
+            <a:off x="7906527" y="734673"/>
+            <a:ext cx="526064" cy="526064"/>
+          </a:xfrm>
+          <a:prstGeom prst="rect">
+            <a:avLst/>
+          </a:prstGeom>
+        </p:spPr>
+      </p:pic>
+      <p:sp>
+        <p:nvSpPr>
+          <p:cNvPr id="45" name="CaixaDeTexto 44"/>
+          <p:cNvSpPr txBox="1"/>
+          <p:nvPr/>
+        </p:nvSpPr>
+        <p:spPr>
+          <a:xfrm>
+            <a:off x="4561685" y="5275840"/>
+            <a:ext cx="1130606" cy="1384995"/>
+          </a:xfrm>
+          <a:prstGeom prst="rect">
+            <a:avLst/>
+          </a:prstGeom>
+          <a:noFill/>
+        </p:spPr>
+        <p:txBody>
+          <a:bodyPr wrap="square" rtlCol="0">
+            <a:spAutoFit/>
+          </a:bodyPr>
+          <a:lstStyle/>
+          <a:p>
+            <a:r>
+              <a:rPr lang="pt-BR" sz="1200" dirty="0" smtClean="0"/>
+              <a:t>Desktop com node.js para gerar os gráficos de temperatura com aplicativo Arduino</a:t>
+            </a:r>
+            <a:endParaRPr lang="pt-BR" sz="1200" dirty="0"/>
+          </a:p>
+        </p:txBody>
+      </p:sp>
+      <p:sp>
+        <p:nvSpPr>
+          <p:cNvPr id="48" name="CaixaDeTexto 47"/>
+          <p:cNvSpPr txBox="1"/>
+          <p:nvPr/>
+        </p:nvSpPr>
+        <p:spPr>
+          <a:xfrm>
+            <a:off x="2696985" y="4755356"/>
+            <a:ext cx="1409700" cy="1015663"/>
+          </a:xfrm>
+          <a:prstGeom prst="rect">
+            <a:avLst/>
+          </a:prstGeom>
+          <a:noFill/>
+        </p:spPr>
+        <p:txBody>
+          <a:bodyPr wrap="square" rtlCol="0">
+            <a:spAutoFit/>
+          </a:bodyPr>
+          <a:lstStyle/>
+          <a:p>
+            <a:r>
+              <a:rPr lang="pt-BR" sz="1200" dirty="0" smtClean="0"/>
+              <a:t>Sinais de alerta serão gerados caso ocorra uma extrema alteração de temperatura</a:t>
+            </a:r>
+            <a:endParaRPr lang="pt-BR" sz="1200" dirty="0"/>
+          </a:p>
+        </p:txBody>
+      </p:sp>
+      <p:sp>
+        <p:nvSpPr>
+          <p:cNvPr id="52" name="CaixaDeTexto 51"/>
+          <p:cNvSpPr txBox="1"/>
+          <p:nvPr/>
+        </p:nvSpPr>
+        <p:spPr>
+          <a:xfrm>
+            <a:off x="1102963" y="4779365"/>
+            <a:ext cx="1197434" cy="830997"/>
+          </a:xfrm>
+          <a:prstGeom prst="rect">
+            <a:avLst/>
+          </a:prstGeom>
+          <a:noFill/>
+        </p:spPr>
+        <p:txBody>
+          <a:bodyPr wrap="square" rtlCol="0">
+            <a:spAutoFit/>
+          </a:bodyPr>
+          <a:lstStyle/>
+          <a:p>
+            <a:r>
+              <a:rPr lang="pt-BR" sz="1200" dirty="0" smtClean="0"/>
+              <a:t>Desktop que ira gerar relatórios de variação de temperatura</a:t>
+            </a:r>
+            <a:endParaRPr lang="pt-BR" sz="1200" dirty="0"/>
+          </a:p>
+        </p:txBody>
+      </p:sp>
+      <p:sp>
+        <p:nvSpPr>
+          <p:cNvPr id="54" name="Retângulo 53"/>
+          <p:cNvSpPr/>
+          <p:nvPr/>
+        </p:nvSpPr>
+        <p:spPr>
+          <a:xfrm>
+            <a:off x="0" y="114300"/>
+            <a:ext cx="4267200" cy="6743700"/>
+          </a:xfrm>
+          <a:prstGeom prst="rect">
+            <a:avLst/>
+          </a:prstGeom>
+          <a:noFill/>
+          <a:ln>
+            <a:solidFill>
+              <a:schemeClr val="tx1"/>
+            </a:solidFill>
+          </a:ln>
+        </p:spPr>
+        <p:style>
+          <a:lnRef idx="2">
+            <a:schemeClr val="accent1">
+              <a:shade val="50000"/>
+            </a:schemeClr>
+          </a:lnRef>
+          <a:fillRef idx="1">
+            <a:schemeClr val="accent1"/>
+          </a:fillRef>
+          <a:effectRef idx="0">
+            <a:schemeClr val="accent1"/>
+          </a:effectRef>
+          <a:fontRef idx="minor">
+            <a:schemeClr val="lt1"/>
+          </a:fontRef>
+        </p:style>
+        <p:txBody>
+          <a:bodyPr rtlCol="0" anchor="ctr"/>
+          <a:lstStyle/>
+          <a:p>
+            <a:pPr algn="ctr"/>
+            <a:endParaRPr lang="pt-BR"/>
+          </a:p>
+        </p:txBody>
+      </p:sp>
+      <p:pic>
+        <p:nvPicPr>
+          <p:cNvPr id="58" name="Imagem 57"/>
+          <p:cNvPicPr>
+            <a:picLocks noChangeAspect="1"/>
+          </p:cNvPicPr>
+          <p:nvPr/>
+        </p:nvPicPr>
+        <p:blipFill>
+          <a:blip r:embed="rId19" cstate="hqprint">
+            <a:extLst>
+              <a:ext uri="{28A0092B-C50C-407E-A947-70E740481C1C}">
+                <a14:useLocalDpi xmlns:a14="http://schemas.microsoft.com/office/drawing/2010/main" val="0"/>
+              </a:ext>
+            </a:extLst>
+          </a:blip>
+          <a:stretch>
+            <a:fillRect/>
+          </a:stretch>
+        </p:blipFill>
+        <p:spPr>
+          <a:xfrm>
+            <a:off x="6929602" y="867283"/>
+            <a:ext cx="373976" cy="442961"/>
+          </a:xfrm>
+          <a:prstGeom prst="rect">
+            <a:avLst/>
+          </a:prstGeom>
+        </p:spPr>
+      </p:pic>
+      <p:cxnSp>
+        <p:nvCxnSpPr>
+          <p:cNvPr id="62" name="Conector Angulado 61"/>
+          <p:cNvCxnSpPr>
+            <a:stCxn id="22" idx="0"/>
+            <a:endCxn id="36" idx="2"/>
+          </p:cNvCxnSpPr>
+          <p:nvPr/>
+        </p:nvCxnSpPr>
+        <p:spPr>
+          <a:xfrm rot="5400000" flipH="1" flipV="1">
+            <a:off x="6298990" y="4471455"/>
+            <a:ext cx="667499" cy="544390"/>
+          </a:xfrm>
+          <a:prstGeom prst="bentConnector3">
+            <a:avLst/>
+          </a:prstGeom>
+          <a:ln>
+            <a:tailEnd type="triangle"/>
+          </a:ln>
+        </p:spPr>
+        <p:style>
+          <a:lnRef idx="1">
+            <a:schemeClr val="accent1"/>
+          </a:lnRef>
+          <a:fillRef idx="0">
+            <a:schemeClr val="accent1"/>
+          </a:fillRef>
+          <a:effectRef idx="0">
+            <a:schemeClr val="accent1"/>
+          </a:effectRef>
+          <a:fontRef idx="minor">
+            <a:schemeClr val="tx1"/>
+          </a:fontRef>
+        </p:style>
+      </p:cxnSp>
     </p:spTree>
     <p:extLst>
       <p:ext uri="{BB962C8B-B14F-4D97-AF65-F5344CB8AC3E}">

--- a/Projeto-Documentacao/LLD.pptx
+++ b/Projeto-Documentacao/LLD.pptx
@@ -5,8 +5,7 @@
     <p:sldMasterId id="2147483648" r:id="rId1"/>
   </p:sldMasterIdLst>
   <p:sldIdLst>
-    <p:sldId id="256" r:id="rId2"/>
-    <p:sldId id="257" r:id="rId3"/>
+    <p:sldId id="257" r:id="rId2"/>
   </p:sldIdLst>
   <p:sldSz cx="12192000" cy="6858000"/>
   <p:notesSz cx="6858000" cy="9144000"/>
@@ -3327,86 +3326,6 @@
           <a:chExt cx="0" cy="0"/>
         </a:xfrm>
       </p:grpSpPr>
-      <p:sp>
-        <p:nvSpPr>
-          <p:cNvPr id="2" name="Título 1">
-            <a:extLst>
-              <a:ext uri="{FF2B5EF4-FFF2-40B4-BE49-F238E27FC236}">
-                <a16:creationId xmlns:a16="http://schemas.microsoft.com/office/drawing/2014/main" id="{987A1CA6-0A6D-423F-B577-1DA378921504}"/>
-              </a:ext>
-            </a:extLst>
-          </p:cNvPr>
-          <p:cNvSpPr>
-            <a:spLocks noGrp="1"/>
-          </p:cNvSpPr>
-          <p:nvPr>
-            <p:ph type="ctrTitle"/>
-          </p:nvPr>
-        </p:nvSpPr>
-        <p:spPr/>
-        <p:txBody>
-          <a:bodyPr/>
-          <a:lstStyle/>
-          <a:p>
-            <a:endParaRPr lang="pt-BR"/>
-          </a:p>
-        </p:txBody>
-      </p:sp>
-      <p:sp>
-        <p:nvSpPr>
-          <p:cNvPr id="3" name="Subtítulo 2">
-            <a:extLst>
-              <a:ext uri="{FF2B5EF4-FFF2-40B4-BE49-F238E27FC236}">
-                <a16:creationId xmlns:a16="http://schemas.microsoft.com/office/drawing/2014/main" id="{988F1879-EBC1-4DC9-9FEF-E4C1A64A1FDD}"/>
-              </a:ext>
-            </a:extLst>
-          </p:cNvPr>
-          <p:cNvSpPr>
-            <a:spLocks noGrp="1"/>
-          </p:cNvSpPr>
-          <p:nvPr>
-            <p:ph type="subTitle" idx="1"/>
-          </p:nvPr>
-        </p:nvSpPr>
-        <p:spPr/>
-        <p:txBody>
-          <a:bodyPr/>
-          <a:lstStyle/>
-          <a:p>
-            <a:endParaRPr lang="pt-BR"/>
-          </a:p>
-        </p:txBody>
-      </p:sp>
-    </p:spTree>
-    <p:extLst>
-      <p:ext uri="{BB962C8B-B14F-4D97-AF65-F5344CB8AC3E}">
-        <p14:creationId xmlns:p14="http://schemas.microsoft.com/office/powerpoint/2010/main" val="3396560267"/>
-      </p:ext>
-    </p:extLst>
-  </p:cSld>
-  <p:clrMapOvr>
-    <a:masterClrMapping/>
-  </p:clrMapOvr>
-</p:sld>
-</file>
-
-<file path=ppt/slides/slide2.xml><?xml version="1.0" encoding="utf-8"?>
-<p:sld xmlns:a="http://schemas.openxmlformats.org/drawingml/2006/main" xmlns:r="http://schemas.openxmlformats.org/officeDocument/2006/relationships" xmlns:p="http://schemas.openxmlformats.org/presentationml/2006/main">
-  <p:cSld>
-    <p:spTree>
-      <p:nvGrpSpPr>
-        <p:cNvPr id="1" name=""/>
-        <p:cNvGrpSpPr/>
-        <p:nvPr/>
-      </p:nvGrpSpPr>
-      <p:grpSpPr>
-        <a:xfrm>
-          <a:off x="0" y="0"/>
-          <a:ext cx="0" cy="0"/>
-          <a:chOff x="0" y="0"/>
-          <a:chExt cx="0" cy="0"/>
-        </a:xfrm>
-      </p:grpSpPr>
       <p:pic>
         <p:nvPicPr>
           <p:cNvPr id="5" name="Espaço Reservado para Conteúdo 4">
@@ -4498,10 +4417,9 @@
           <a:lstStyle/>
           <a:p>
             <a:r>
-              <a:rPr lang="pt-BR" sz="1050" dirty="0" smtClean="0"/>
+              <a:rPr lang="pt-BR" sz="1050" dirty="0"/>
               <a:t>Endereço IP: 192.168.1.2</a:t>
             </a:r>
-            <a:endParaRPr lang="pt-BR" sz="1050" dirty="0"/>
           </a:p>
         </p:txBody>
       </p:sp>
@@ -4530,7 +4448,6 @@
               <a:rPr lang="pt-BR" sz="1100" dirty="0"/>
               <a:t>Endereço IP: 192.168.1.2</a:t>
             </a:r>
-            <a:endParaRPr lang="pt-BR" sz="1100" dirty="0"/>
           </a:p>
         </p:txBody>
       </p:sp>
@@ -4557,10 +4474,9 @@
           <a:lstStyle/>
           <a:p>
             <a:r>
-              <a:rPr lang="pt-BR" sz="1200" dirty="0" smtClean="0"/>
+              <a:rPr lang="pt-BR" sz="1200" dirty="0"/>
               <a:t>Geladeira com medicamentos termolábeis</a:t>
             </a:r>
-            <a:endParaRPr lang="pt-BR" sz="1200" dirty="0"/>
           </a:p>
         </p:txBody>
       </p:sp>
@@ -4647,10 +4563,9 @@
           <a:lstStyle/>
           <a:p>
             <a:r>
-              <a:rPr lang="pt-BR" sz="1200" dirty="0" smtClean="0"/>
+              <a:rPr lang="pt-BR" sz="1200" dirty="0"/>
               <a:t>Desktop com node.js para gerar os gráficos de temperatura com aplicativo Arduino</a:t>
             </a:r>
-            <a:endParaRPr lang="pt-BR" sz="1200" dirty="0"/>
           </a:p>
         </p:txBody>
       </p:sp>
@@ -4677,10 +4592,9 @@
           <a:lstStyle/>
           <a:p>
             <a:r>
-              <a:rPr lang="pt-BR" sz="1200" dirty="0" smtClean="0"/>
+              <a:rPr lang="pt-BR" sz="1200" dirty="0"/>
               <a:t>Sinais de alerta serão gerados caso ocorra uma extrema alteração de temperatura</a:t>
             </a:r>
-            <a:endParaRPr lang="pt-BR" sz="1200" dirty="0"/>
           </a:p>
         </p:txBody>
       </p:sp>
@@ -4707,10 +4621,9 @@
           <a:lstStyle/>
           <a:p>
             <a:r>
-              <a:rPr lang="pt-BR" sz="1200" dirty="0" smtClean="0"/>
+              <a:rPr lang="pt-BR" sz="1200" dirty="0"/>
               <a:t>Desktop que ira gerar relatórios de variação de temperatura</a:t>
             </a:r>
-            <a:endParaRPr lang="pt-BR" sz="1200" dirty="0"/>
           </a:p>
         </p:txBody>
       </p:sp>
